--- a/output.pptx
+++ b/output.pptx
@@ -289,7 +289,7 @@
             <a:fld id="{5BCAD085-E8A6-8845-BD4E-CB4CCA059FC4}" type="datetimeFigureOut">
               <a:rPr lang="en-US" smtClean="0"/>
               <a:pPr/>
-              <a:t>7/24/2014</a:t>
+              <a:t>8/4/2014</a:t>
             </a:fld>
             <a:endParaRPr lang="en-US"/>
           </a:p>
@@ -461,7 +461,7 @@
             <a:fld id="{5BCAD085-E8A6-8845-BD4E-CB4CCA059FC4}" type="datetimeFigureOut">
               <a:rPr lang="en-US" smtClean="0"/>
               <a:pPr/>
-              <a:t>7/24/2014</a:t>
+              <a:t>8/4/2014</a:t>
             </a:fld>
             <a:endParaRPr lang="en-US"/>
           </a:p>
@@ -643,7 +643,7 @@
             <a:fld id="{5BCAD085-E8A6-8845-BD4E-CB4CCA059FC4}" type="datetimeFigureOut">
               <a:rPr lang="en-US" smtClean="0"/>
               <a:pPr/>
-              <a:t>7/24/2014</a:t>
+              <a:t>8/4/2014</a:t>
             </a:fld>
             <a:endParaRPr lang="en-US"/>
           </a:p>
@@ -815,7 +815,7 @@
             <a:fld id="{5BCAD085-E8A6-8845-BD4E-CB4CCA059FC4}" type="datetimeFigureOut">
               <a:rPr lang="en-US" smtClean="0"/>
               <a:pPr/>
-              <a:t>7/24/2014</a:t>
+              <a:t>8/4/2014</a:t>
             </a:fld>
             <a:endParaRPr lang="en-US"/>
           </a:p>
@@ -1063,7 +1063,7 @@
             <a:fld id="{5BCAD085-E8A6-8845-BD4E-CB4CCA059FC4}" type="datetimeFigureOut">
               <a:rPr lang="en-US" smtClean="0"/>
               <a:pPr/>
-              <a:t>7/24/2014</a:t>
+              <a:t>8/4/2014</a:t>
             </a:fld>
             <a:endParaRPr lang="en-US"/>
           </a:p>
@@ -1353,7 +1353,7 @@
             <a:fld id="{5BCAD085-E8A6-8845-BD4E-CB4CCA059FC4}" type="datetimeFigureOut">
               <a:rPr lang="en-US" smtClean="0"/>
               <a:pPr/>
-              <a:t>7/24/2014</a:t>
+              <a:t>8/4/2014</a:t>
             </a:fld>
             <a:endParaRPr lang="en-US"/>
           </a:p>
@@ -1777,7 +1777,7 @@
             <a:fld id="{5BCAD085-E8A6-8845-BD4E-CB4CCA059FC4}" type="datetimeFigureOut">
               <a:rPr lang="en-US" smtClean="0"/>
               <a:pPr/>
-              <a:t>7/24/2014</a:t>
+              <a:t>8/4/2014</a:t>
             </a:fld>
             <a:endParaRPr lang="en-US"/>
           </a:p>
@@ -1897,7 +1897,7 @@
             <a:fld id="{5BCAD085-E8A6-8845-BD4E-CB4CCA059FC4}" type="datetimeFigureOut">
               <a:rPr lang="en-US" smtClean="0"/>
               <a:pPr/>
-              <a:t>7/24/2014</a:t>
+              <a:t>8/4/2014</a:t>
             </a:fld>
             <a:endParaRPr lang="en-US"/>
           </a:p>
@@ -1994,7 +1994,7 @@
             <a:fld id="{5BCAD085-E8A6-8845-BD4E-CB4CCA059FC4}" type="datetimeFigureOut">
               <a:rPr lang="en-US" smtClean="0"/>
               <a:pPr/>
-              <a:t>7/24/2014</a:t>
+              <a:t>8/4/2014</a:t>
             </a:fld>
             <a:endParaRPr lang="en-US"/>
           </a:p>
@@ -2273,7 +2273,7 @@
             <a:fld id="{5BCAD085-E8A6-8845-BD4E-CB4CCA059FC4}" type="datetimeFigureOut">
               <a:rPr lang="en-US" smtClean="0"/>
               <a:pPr/>
-              <a:t>7/24/2014</a:t>
+              <a:t>8/4/2014</a:t>
             </a:fld>
             <a:endParaRPr lang="en-US"/>
           </a:p>
@@ -2528,7 +2528,7 @@
             <a:fld id="{5BCAD085-E8A6-8845-BD4E-CB4CCA059FC4}" type="datetimeFigureOut">
               <a:rPr lang="en-US" smtClean="0"/>
               <a:pPr/>
-              <a:t>7/24/2014</a:t>
+              <a:t>8/4/2014</a:t>
             </a:fld>
             <a:endParaRPr lang="en-US"/>
           </a:p>
@@ -2743,7 +2743,7 @@
             <a:fld id="{5BCAD085-E8A6-8845-BD4E-CB4CCA059FC4}" type="datetimeFigureOut">
               <a:rPr lang="en-US" smtClean="0"/>
               <a:pPr/>
-              <a:t>7/24/2014</a:t>
+              <a:t>8/4/2014</a:t>
             </a:fld>
             <a:endParaRPr lang="en-US"/>
           </a:p>
@@ -3425,7 +3425,7 @@
           <a:p>
             <a:pPr algn="ctr"/>
             <a:r>
-              <a:t>ItemC</a:t>
+              <a:t>testText</a:t>
             </a:r>
           </a:p>
         </p:txBody>

--- a/output.pptx
+++ b/output.pptx
@@ -6,6 +6,7 @@
   </p:sldMasterIdLst>
   <p:sldIdLst>
     <p:sldId id="256" r:id="rId2"/>
+    <p:sldId id="257" r:id="rId3"/>
   </p:sldIdLst>
   <p:sldSz cx="9144000" cy="6858000" type="screen4x3"/>
   <p:notesSz cx="6858000" cy="9144000"/>
@@ -289,7 +290,7 @@
             <a:fld id="{5BCAD085-E8A6-8845-BD4E-CB4CCA059FC4}" type="datetimeFigureOut">
               <a:rPr lang="en-US" smtClean="0"/>
               <a:pPr/>
-              <a:t>8/4/2014</a:t>
+              <a:t>8/5/2014</a:t>
             </a:fld>
             <a:endParaRPr lang="en-US"/>
           </a:p>
@@ -341,7 +342,7 @@
     </p:spTree>
     <p:extLst>
       <p:ext uri="{BB962C8B-B14F-4D97-AF65-F5344CB8AC3E}">
-        <p14:creationId xmlns="" xmlns:p14="http://schemas.microsoft.com/office/powerpoint/2010/main" val="3168075583"/>
+        <p14:creationId xmlns:p14="http://schemas.microsoft.com/office/powerpoint/2010/main" xmlns="" val="3168075583"/>
       </p:ext>
     </p:extLst>
   </p:cSld>
@@ -461,7 +462,7 @@
             <a:fld id="{5BCAD085-E8A6-8845-BD4E-CB4CCA059FC4}" type="datetimeFigureOut">
               <a:rPr lang="en-US" smtClean="0"/>
               <a:pPr/>
-              <a:t>8/4/2014</a:t>
+              <a:t>8/5/2014</a:t>
             </a:fld>
             <a:endParaRPr lang="en-US"/>
           </a:p>
@@ -513,7 +514,7 @@
     </p:spTree>
     <p:extLst>
       <p:ext uri="{BB962C8B-B14F-4D97-AF65-F5344CB8AC3E}">
-        <p14:creationId xmlns="" xmlns:p14="http://schemas.microsoft.com/office/powerpoint/2010/main" val="2910927964"/>
+        <p14:creationId xmlns:p14="http://schemas.microsoft.com/office/powerpoint/2010/main" xmlns="" val="2910927964"/>
       </p:ext>
     </p:extLst>
   </p:cSld>
@@ -643,7 +644,7 @@
             <a:fld id="{5BCAD085-E8A6-8845-BD4E-CB4CCA059FC4}" type="datetimeFigureOut">
               <a:rPr lang="en-US" smtClean="0"/>
               <a:pPr/>
-              <a:t>8/4/2014</a:t>
+              <a:t>8/5/2014</a:t>
             </a:fld>
             <a:endParaRPr lang="en-US"/>
           </a:p>
@@ -695,7 +696,7 @@
     </p:spTree>
     <p:extLst>
       <p:ext uri="{BB962C8B-B14F-4D97-AF65-F5344CB8AC3E}">
-        <p14:creationId xmlns="" xmlns:p14="http://schemas.microsoft.com/office/powerpoint/2010/main" val="3612223792"/>
+        <p14:creationId xmlns:p14="http://schemas.microsoft.com/office/powerpoint/2010/main" xmlns="" val="3612223792"/>
       </p:ext>
     </p:extLst>
   </p:cSld>
@@ -815,7 +816,7 @@
             <a:fld id="{5BCAD085-E8A6-8845-BD4E-CB4CCA059FC4}" type="datetimeFigureOut">
               <a:rPr lang="en-US" smtClean="0"/>
               <a:pPr/>
-              <a:t>8/4/2014</a:t>
+              <a:t>8/5/2014</a:t>
             </a:fld>
             <a:endParaRPr lang="en-US"/>
           </a:p>
@@ -867,7 +868,7 @@
     </p:spTree>
     <p:extLst>
       <p:ext uri="{BB962C8B-B14F-4D97-AF65-F5344CB8AC3E}">
-        <p14:creationId xmlns="" xmlns:p14="http://schemas.microsoft.com/office/powerpoint/2010/main" val="2614314258"/>
+        <p14:creationId xmlns:p14="http://schemas.microsoft.com/office/powerpoint/2010/main" xmlns="" val="2614314258"/>
       </p:ext>
     </p:extLst>
   </p:cSld>
@@ -1063,7 +1064,7 @@
             <a:fld id="{5BCAD085-E8A6-8845-BD4E-CB4CCA059FC4}" type="datetimeFigureOut">
               <a:rPr lang="en-US" smtClean="0"/>
               <a:pPr/>
-              <a:t>8/4/2014</a:t>
+              <a:t>8/5/2014</a:t>
             </a:fld>
             <a:endParaRPr lang="en-US"/>
           </a:p>
@@ -1115,7 +1116,7 @@
     </p:spTree>
     <p:extLst>
       <p:ext uri="{BB962C8B-B14F-4D97-AF65-F5344CB8AC3E}">
-        <p14:creationId xmlns="" xmlns:p14="http://schemas.microsoft.com/office/powerpoint/2010/main" val="960648375"/>
+        <p14:creationId xmlns:p14="http://schemas.microsoft.com/office/powerpoint/2010/main" xmlns="" val="960648375"/>
       </p:ext>
     </p:extLst>
   </p:cSld>
@@ -1353,7 +1354,7 @@
             <a:fld id="{5BCAD085-E8A6-8845-BD4E-CB4CCA059FC4}" type="datetimeFigureOut">
               <a:rPr lang="en-US" smtClean="0"/>
               <a:pPr/>
-              <a:t>8/4/2014</a:t>
+              <a:t>8/5/2014</a:t>
             </a:fld>
             <a:endParaRPr lang="en-US"/>
           </a:p>
@@ -1405,7 +1406,7 @@
     </p:spTree>
     <p:extLst>
       <p:ext uri="{BB962C8B-B14F-4D97-AF65-F5344CB8AC3E}">
-        <p14:creationId xmlns="" xmlns:p14="http://schemas.microsoft.com/office/powerpoint/2010/main" val="2782244947"/>
+        <p14:creationId xmlns:p14="http://schemas.microsoft.com/office/powerpoint/2010/main" xmlns="" val="2782244947"/>
       </p:ext>
     </p:extLst>
   </p:cSld>
@@ -1777,7 +1778,7 @@
             <a:fld id="{5BCAD085-E8A6-8845-BD4E-CB4CCA059FC4}" type="datetimeFigureOut">
               <a:rPr lang="en-US" smtClean="0"/>
               <a:pPr/>
-              <a:t>8/4/2014</a:t>
+              <a:t>8/5/2014</a:t>
             </a:fld>
             <a:endParaRPr lang="en-US"/>
           </a:p>
@@ -1829,7 +1830,7 @@
     </p:spTree>
     <p:extLst>
       <p:ext uri="{BB962C8B-B14F-4D97-AF65-F5344CB8AC3E}">
-        <p14:creationId xmlns="" xmlns:p14="http://schemas.microsoft.com/office/powerpoint/2010/main" val="990158736"/>
+        <p14:creationId xmlns:p14="http://schemas.microsoft.com/office/powerpoint/2010/main" xmlns="" val="990158736"/>
       </p:ext>
     </p:extLst>
   </p:cSld>
@@ -1897,7 +1898,7 @@
             <a:fld id="{5BCAD085-E8A6-8845-BD4E-CB4CCA059FC4}" type="datetimeFigureOut">
               <a:rPr lang="en-US" smtClean="0"/>
               <a:pPr/>
-              <a:t>8/4/2014</a:t>
+              <a:t>8/5/2014</a:t>
             </a:fld>
             <a:endParaRPr lang="en-US"/>
           </a:p>
@@ -1949,7 +1950,7 @@
     </p:spTree>
     <p:extLst>
       <p:ext uri="{BB962C8B-B14F-4D97-AF65-F5344CB8AC3E}">
-        <p14:creationId xmlns="" xmlns:p14="http://schemas.microsoft.com/office/powerpoint/2010/main" val="727027711"/>
+        <p14:creationId xmlns:p14="http://schemas.microsoft.com/office/powerpoint/2010/main" xmlns="" val="727027711"/>
       </p:ext>
     </p:extLst>
   </p:cSld>
@@ -1994,7 +1995,7 @@
             <a:fld id="{5BCAD085-E8A6-8845-BD4E-CB4CCA059FC4}" type="datetimeFigureOut">
               <a:rPr lang="en-US" smtClean="0"/>
               <a:pPr/>
-              <a:t>8/4/2014</a:t>
+              <a:t>8/5/2014</a:t>
             </a:fld>
             <a:endParaRPr lang="en-US"/>
           </a:p>
@@ -2046,7 +2047,7 @@
     </p:spTree>
     <p:extLst>
       <p:ext uri="{BB962C8B-B14F-4D97-AF65-F5344CB8AC3E}">
-        <p14:creationId xmlns="" xmlns:p14="http://schemas.microsoft.com/office/powerpoint/2010/main" val="1212999818"/>
+        <p14:creationId xmlns:p14="http://schemas.microsoft.com/office/powerpoint/2010/main" xmlns="" val="1212999818"/>
       </p:ext>
     </p:extLst>
   </p:cSld>
@@ -2273,7 +2274,7 @@
             <a:fld id="{5BCAD085-E8A6-8845-BD4E-CB4CCA059FC4}" type="datetimeFigureOut">
               <a:rPr lang="en-US" smtClean="0"/>
               <a:pPr/>
-              <a:t>8/4/2014</a:t>
+              <a:t>8/5/2014</a:t>
             </a:fld>
             <a:endParaRPr lang="en-US"/>
           </a:p>
@@ -2325,7 +2326,7 @@
     </p:spTree>
     <p:extLst>
       <p:ext uri="{BB962C8B-B14F-4D97-AF65-F5344CB8AC3E}">
-        <p14:creationId xmlns="" xmlns:p14="http://schemas.microsoft.com/office/powerpoint/2010/main" val="1840726560"/>
+        <p14:creationId xmlns:p14="http://schemas.microsoft.com/office/powerpoint/2010/main" xmlns="" val="1840726560"/>
       </p:ext>
     </p:extLst>
   </p:cSld>
@@ -2528,7 +2529,7 @@
             <a:fld id="{5BCAD085-E8A6-8845-BD4E-CB4CCA059FC4}" type="datetimeFigureOut">
               <a:rPr lang="en-US" smtClean="0"/>
               <a:pPr/>
-              <a:t>8/4/2014</a:t>
+              <a:t>8/5/2014</a:t>
             </a:fld>
             <a:endParaRPr lang="en-US"/>
           </a:p>
@@ -2580,7 +2581,7 @@
     </p:spTree>
     <p:extLst>
       <p:ext uri="{BB962C8B-B14F-4D97-AF65-F5344CB8AC3E}">
-        <p14:creationId xmlns="" xmlns:p14="http://schemas.microsoft.com/office/powerpoint/2010/main" val="3889236939"/>
+        <p14:creationId xmlns:p14="http://schemas.microsoft.com/office/powerpoint/2010/main" xmlns="" val="3889236939"/>
       </p:ext>
     </p:extLst>
   </p:cSld>
@@ -2743,7 +2744,7 @@
             <a:fld id="{5BCAD085-E8A6-8845-BD4E-CB4CCA059FC4}" type="datetimeFigureOut">
               <a:rPr lang="en-US" smtClean="0"/>
               <a:pPr/>
-              <a:t>8/4/2014</a:t>
+              <a:t>8/5/2014</a:t>
             </a:fld>
             <a:endParaRPr lang="en-US"/>
           </a:p>
@@ -2831,7 +2832,7 @@
     </p:spTree>
     <p:extLst>
       <p:ext uri="{BB962C8B-B14F-4D97-AF65-F5344CB8AC3E}">
-        <p14:creationId xmlns="" xmlns:p14="http://schemas.microsoft.com/office/powerpoint/2010/main" val="2209977519"/>
+        <p14:creationId xmlns:p14="http://schemas.microsoft.com/office/powerpoint/2010/main" xmlns="" val="2209977519"/>
       </p:ext>
     </p:extLst>
   </p:cSld>
@@ -3119,6 +3120,233 @@
           <a:chExt cx="0" cy="0"/>
         </a:xfrm>
       </p:grpSpPr>
+      <p:graphicFrame>
+        <p:nvGraphicFramePr>
+          <p:cNvPr id="3" name="Table 2"/>
+          <p:cNvGraphicFramePr>
+            <a:graphicFrameLocks noGrp="1"/>
+          </p:cNvGraphicFramePr>
+          <p:nvPr/>
+        </p:nvGraphicFramePr>
+        <p:xfrm>
+          <a:off x="1256145" y="506776"/>
+          <a:ext cx="6446982" cy="1463040"/>
+        </p:xfrm>
+        <a:graphic>
+          <a:graphicData uri="http://schemas.openxmlformats.org/drawingml/2006/table">
+            <a:tbl>
+              <a:tblPr firstRow="1" bandRow="1">
+                <a:tableStyleId>{5C22544A-7EE6-4342-B048-85BDC9FD1C3A}</a:tableStyleId>
+              </a:tblPr>
+              <a:tblGrid>
+                <a:gridCol w="2148994"/>
+                <a:gridCol w="4297988"/>
+              </a:tblGrid>
+              <a:tr h="365760">
+                <a:tc>
+                  <a:txBody>
+                    <a:bodyPr/>
+                    <a:lstStyle/>
+                    <a:p>
+                      <a:r>
+                        <a:t>Foo</a:t>
+                      </a:r>
+                      <a:endParaRPr dirty="0"/>
+                    </a:p>
+                  </a:txBody>
+                  <a:tcPr/>
+                </a:tc>
+                <a:tc>
+                  <a:txBody>
+                    <a:bodyPr/>
+                    <a:lstStyle/>
+                    <a:p>
+                      <a:r>
+                        <a:t>Bar</a:t>
+                      </a:r>
+                    </a:p>
+                  </a:txBody>
+                  <a:tcPr/>
+                </a:tc>
+              </a:tr>
+              <a:tr h="365760">
+                <a:tc>
+                  <a:txBody>
+                    <a:bodyPr/>
+                    <a:lstStyle/>
+                    <a:p>
+                      <a:r>
+                        <a:t/>
+                      </a:r>
+                      <a:endParaRPr dirty="0"/>
+                    </a:p>
+                  </a:txBody>
+                  <a:tcPr/>
+                </a:tc>
+                <a:tc>
+                  <a:txBody>
+                    <a:bodyPr/>
+                    <a:lstStyle/>
+                    <a:p>
+                      <a:pPr marL="0" marR="0" indent="0" algn="l" defTabSz="457200" rtl="0" eaLnBrk="1" fontAlgn="auto" latinLnBrk="0" hangingPunct="1">
+                        <a:lnSpc>
+                          <a:spcPct val="100000"/>
+                        </a:lnSpc>
+                        <a:spcBef>
+                          <a:spcPts val="0"/>
+                        </a:spcBef>
+                        <a:spcAft>
+                          <a:spcPts val="0"/>
+                        </a:spcAft>
+                        <a:buClrTx/>
+                        <a:buSzTx/>
+                        <a:buFontTx/>
+                        <a:buNone/>
+                        <a:tabLst/>
+                        <a:defRPr/>
+                      </a:pPr>
+                      <a:r>
+                        <a:t>1</a:t>
+                      </a:r>
+                    </a:p>
+                  </a:txBody>
+                  <a:tcPr/>
+                </a:tc>
+              </a:tr>
+              <a:tr h="365760">
+                <a:tc>
+                  <a:txBody>
+                    <a:bodyPr/>
+                    <a:lstStyle/>
+                    <a:p>
+                      <a:pPr marL="0" marR="0" indent="0" algn="l" defTabSz="457200" rtl="0" eaLnBrk="1" fontAlgn="auto" latinLnBrk="0" hangingPunct="1">
+                        <a:lnSpc>
+                          <a:spcPct val="100000"/>
+                        </a:lnSpc>
+                        <a:spcBef>
+                          <a:spcPts val="0"/>
+                        </a:spcBef>
+                        <a:spcAft>
+                          <a:spcPts val="0"/>
+                        </a:spcAft>
+                        <a:buClrTx/>
+                        <a:buSzTx/>
+                        <a:buFontTx/>
+                        <a:buNone/>
+                        <a:tabLst/>
+                        <a:defRPr/>
+                      </a:pPr>
+                      <a:r>
+                        <a:t>ItemB</a:t>
+                      </a:r>
+                    </a:p>
+                  </a:txBody>
+                  <a:tcPr/>
+                </a:tc>
+                <a:tc>
+                  <a:txBody>
+                    <a:bodyPr/>
+                    <a:lstStyle/>
+                    <a:p>
+                      <a:pPr marL="0" marR="0" indent="0" algn="l" defTabSz="457200" rtl="0" eaLnBrk="1" fontAlgn="auto" latinLnBrk="0" hangingPunct="1">
+                        <a:lnSpc>
+                          <a:spcPct val="100000"/>
+                        </a:lnSpc>
+                        <a:spcBef>
+                          <a:spcPts val="0"/>
+                        </a:spcBef>
+                        <a:spcAft>
+                          <a:spcPts val="0"/>
+                        </a:spcAft>
+                        <a:buClrTx/>
+                        <a:buSzTx/>
+                        <a:buFontTx/>
+                        <a:buNone/>
+                        <a:tabLst/>
+                        <a:defRPr/>
+                      </a:pPr>
+                      <a:r>
+                        <a:t>2</a:t>
+                      </a:r>
+                    </a:p>
+                  </a:txBody>
+                  <a:tcPr/>
+                </a:tc>
+              </a:tr>
+              <a:tr h="365760">
+                <a:tc>
+                  <a:txBody>
+                    <a:bodyPr/>
+                    <a:lstStyle/>
+                    <a:p>
+                      <a:r>
+                        <a:t>ItemC</a:t>
+                      </a:r>
+                      <a:endParaRPr lang="pl-PL" dirty="0"/>
+                    </a:p>
+                  </a:txBody>
+                  <a:tcPr/>
+                </a:tc>
+                <a:tc>
+                  <a:txBody>
+                    <a:bodyPr/>
+                    <a:lstStyle/>
+                    <a:p>
+                      <a:pPr marL="0" marR="0" indent="0" algn="l" defTabSz="457200" rtl="0" eaLnBrk="1" fontAlgn="auto" latinLnBrk="0" hangingPunct="1">
+                        <a:lnSpc>
+                          <a:spcPct val="100000"/>
+                        </a:lnSpc>
+                        <a:spcBef>
+                          <a:spcPts val="0"/>
+                        </a:spcBef>
+                        <a:spcAft>
+                          <a:spcPts val="0"/>
+                        </a:spcAft>
+                        <a:buClrTx/>
+                        <a:buSzTx/>
+                        <a:buFontTx/>
+                        <a:buNone/>
+                        <a:tabLst/>
+                        <a:defRPr/>
+                      </a:pPr>
+                      <a:r>
+                        <a:t>3</a:t>
+                      </a:r>
+                      <a:endParaRPr dirty="0"/>
+                    </a:p>
+                  </a:txBody>
+                  <a:tcPr/>
+                </a:tc>
+              </a:tr>
+            </a:tbl>
+          </a:graphicData>
+        </a:graphic>
+      </p:graphicFrame>
+    </p:spTree>
+  </p:cSld>
+  <p:clrMapOvr>
+    <a:masterClrMapping/>
+  </p:clrMapOvr>
+</p:sld>
+</file>
+
+<file path=ppt/slides/slide2.xml><?xml version="1.0" encoding="utf-8"?>
+<p:sld xmlns:a="http://schemas.openxmlformats.org/drawingml/2006/main" xmlns:r="http://schemas.openxmlformats.org/officeDocument/2006/relationships" xmlns:p="http://schemas.openxmlformats.org/presentationml/2006/main">
+  <p:cSld>
+    <p:spTree>
+      <p:nvGrpSpPr>
+        <p:cNvPr id="1" name=""/>
+        <p:cNvGrpSpPr/>
+        <p:nvPr/>
+      </p:nvGrpSpPr>
+      <p:grpSpPr>
+        <a:xfrm>
+          <a:off x="0" y="0"/>
+          <a:ext cx="0" cy="0"/>
+          <a:chOff x="0" y="0"/>
+          <a:chExt cx="0" cy="0"/>
+        </a:xfrm>
+      </p:grpSpPr>
       <p:sp>
         <p:nvSpPr>
           <p:cNvPr id="2" name="Title 1"/>
@@ -3425,8 +3653,9 @@
           <a:p>
             <a:pPr algn="ctr"/>
             <a:r>
-              <a:t>testText</a:t>
-            </a:r>
+              <a:t>TESTTEXT</a:t>
+            </a:r>
+            <a:endParaRPr lang="pl-PL" sz="1400" dirty="0" smtClean="0"/>
           </a:p>
         </p:txBody>
       </p:sp>

--- a/output.pptx
+++ b/output.pptx
@@ -342,7 +342,7 @@
     </p:spTree>
     <p:extLst>
       <p:ext uri="{BB962C8B-B14F-4D97-AF65-F5344CB8AC3E}">
-        <p14:creationId xmlns:p14="http://schemas.microsoft.com/office/powerpoint/2010/main" xmlns="" val="3168075583"/>
+        <p14:creationId xmlns="" xmlns:p14="http://schemas.microsoft.com/office/powerpoint/2010/main" val="3168075583"/>
       </p:ext>
     </p:extLst>
   </p:cSld>
@@ -514,7 +514,7 @@
     </p:spTree>
     <p:extLst>
       <p:ext uri="{BB962C8B-B14F-4D97-AF65-F5344CB8AC3E}">
-        <p14:creationId xmlns:p14="http://schemas.microsoft.com/office/powerpoint/2010/main" xmlns="" val="2910927964"/>
+        <p14:creationId xmlns="" xmlns:p14="http://schemas.microsoft.com/office/powerpoint/2010/main" val="2910927964"/>
       </p:ext>
     </p:extLst>
   </p:cSld>
@@ -696,7 +696,7 @@
     </p:spTree>
     <p:extLst>
       <p:ext uri="{BB962C8B-B14F-4D97-AF65-F5344CB8AC3E}">
-        <p14:creationId xmlns:p14="http://schemas.microsoft.com/office/powerpoint/2010/main" xmlns="" val="3612223792"/>
+        <p14:creationId xmlns="" xmlns:p14="http://schemas.microsoft.com/office/powerpoint/2010/main" val="3612223792"/>
       </p:ext>
     </p:extLst>
   </p:cSld>
@@ -868,7 +868,7 @@
     </p:spTree>
     <p:extLst>
       <p:ext uri="{BB962C8B-B14F-4D97-AF65-F5344CB8AC3E}">
-        <p14:creationId xmlns:p14="http://schemas.microsoft.com/office/powerpoint/2010/main" xmlns="" val="2614314258"/>
+        <p14:creationId xmlns="" xmlns:p14="http://schemas.microsoft.com/office/powerpoint/2010/main" val="2614314258"/>
       </p:ext>
     </p:extLst>
   </p:cSld>
@@ -1116,7 +1116,7 @@
     </p:spTree>
     <p:extLst>
       <p:ext uri="{BB962C8B-B14F-4D97-AF65-F5344CB8AC3E}">
-        <p14:creationId xmlns:p14="http://schemas.microsoft.com/office/powerpoint/2010/main" xmlns="" val="960648375"/>
+        <p14:creationId xmlns="" xmlns:p14="http://schemas.microsoft.com/office/powerpoint/2010/main" val="960648375"/>
       </p:ext>
     </p:extLst>
   </p:cSld>
@@ -1406,7 +1406,7 @@
     </p:spTree>
     <p:extLst>
       <p:ext uri="{BB962C8B-B14F-4D97-AF65-F5344CB8AC3E}">
-        <p14:creationId xmlns:p14="http://schemas.microsoft.com/office/powerpoint/2010/main" xmlns="" val="2782244947"/>
+        <p14:creationId xmlns="" xmlns:p14="http://schemas.microsoft.com/office/powerpoint/2010/main" val="2782244947"/>
       </p:ext>
     </p:extLst>
   </p:cSld>
@@ -1830,7 +1830,7 @@
     </p:spTree>
     <p:extLst>
       <p:ext uri="{BB962C8B-B14F-4D97-AF65-F5344CB8AC3E}">
-        <p14:creationId xmlns:p14="http://schemas.microsoft.com/office/powerpoint/2010/main" xmlns="" val="990158736"/>
+        <p14:creationId xmlns="" xmlns:p14="http://schemas.microsoft.com/office/powerpoint/2010/main" val="990158736"/>
       </p:ext>
     </p:extLst>
   </p:cSld>
@@ -1950,7 +1950,7 @@
     </p:spTree>
     <p:extLst>
       <p:ext uri="{BB962C8B-B14F-4D97-AF65-F5344CB8AC3E}">
-        <p14:creationId xmlns:p14="http://schemas.microsoft.com/office/powerpoint/2010/main" xmlns="" val="727027711"/>
+        <p14:creationId xmlns="" xmlns:p14="http://schemas.microsoft.com/office/powerpoint/2010/main" val="727027711"/>
       </p:ext>
     </p:extLst>
   </p:cSld>
@@ -2047,7 +2047,7 @@
     </p:spTree>
     <p:extLst>
       <p:ext uri="{BB962C8B-B14F-4D97-AF65-F5344CB8AC3E}">
-        <p14:creationId xmlns:p14="http://schemas.microsoft.com/office/powerpoint/2010/main" xmlns="" val="1212999818"/>
+        <p14:creationId xmlns="" xmlns:p14="http://schemas.microsoft.com/office/powerpoint/2010/main" val="1212999818"/>
       </p:ext>
     </p:extLst>
   </p:cSld>
@@ -2326,7 +2326,7 @@
     </p:spTree>
     <p:extLst>
       <p:ext uri="{BB962C8B-B14F-4D97-AF65-F5344CB8AC3E}">
-        <p14:creationId xmlns:p14="http://schemas.microsoft.com/office/powerpoint/2010/main" xmlns="" val="1840726560"/>
+        <p14:creationId xmlns="" xmlns:p14="http://schemas.microsoft.com/office/powerpoint/2010/main" val="1840726560"/>
       </p:ext>
     </p:extLst>
   </p:cSld>
@@ -2581,7 +2581,7 @@
     </p:spTree>
     <p:extLst>
       <p:ext uri="{BB962C8B-B14F-4D97-AF65-F5344CB8AC3E}">
-        <p14:creationId xmlns:p14="http://schemas.microsoft.com/office/powerpoint/2010/main" xmlns="" val="3889236939"/>
+        <p14:creationId xmlns="" xmlns:p14="http://schemas.microsoft.com/office/powerpoint/2010/main" val="3889236939"/>
       </p:ext>
     </p:extLst>
   </p:cSld>
@@ -2832,7 +2832,7 @@
     </p:spTree>
     <p:extLst>
       <p:ext uri="{BB962C8B-B14F-4D97-AF65-F5344CB8AC3E}">
-        <p14:creationId xmlns:p14="http://schemas.microsoft.com/office/powerpoint/2010/main" xmlns="" val="2209977519"/>
+        <p14:creationId xmlns="" xmlns:p14="http://schemas.microsoft.com/office/powerpoint/2010/main" val="2209977519"/>
       </p:ext>
     </p:extLst>
   </p:cSld>
@@ -3655,7 +3655,6 @@
             <a:r>
               <a:t>TESTTEXT</a:t>
             </a:r>
-            <a:endParaRPr lang="pl-PL" sz="1400" dirty="0" smtClean="0"/>
           </a:p>
         </p:txBody>
       </p:sp>
